--- a/lectures/00-Workshop-Handout.pptx
+++ b/lectures/00-Workshop-Handout.pptx
@@ -5,12 +5,13 @@
     <p:sldMasterId id="2147483672" r:id="rId1"/>
   </p:sldMasterIdLst>
   <p:notesMasterIdLst>
-    <p:notesMasterId r:id="rId5"/>
+    <p:notesMasterId r:id="rId6"/>
   </p:notesMasterIdLst>
   <p:sldIdLst>
     <p:sldId id="256" r:id="rId2"/>
-    <p:sldId id="259" r:id="rId3"/>
-    <p:sldId id="258" r:id="rId4"/>
+    <p:sldId id="258" r:id="rId3"/>
+    <p:sldId id="257" r:id="rId4"/>
+    <p:sldId id="259" r:id="rId5"/>
   </p:sldIdLst>
   <p:sldSz cx="6858000" cy="9144000" type="letter"/>
   <p:notesSz cx="6858000" cy="9144000"/>
@@ -109,6 +110,11 @@
       </a:defRPr>
     </a:lvl9pPr>
   </p:defaultTextStyle>
+  <p:extLst>
+    <p:ext uri="{EFAFB233-063F-42B5-8137-9DF3F51BA10A}">
+      <p15:sldGuideLst xmlns:p15="http://schemas.microsoft.com/office/powerpoint/2012/main"/>
+    </p:ext>
+  </p:extLst>
 </p:presentation>
 </file>
 
@@ -3268,7 +3274,7 @@
       </p:grpSpPr>
       <p:pic>
         <p:nvPicPr>
-          <p:cNvPr id="4" name="Picture 3"/>
+          <p:cNvPr id="8" name="Picture 7"/>
           <p:cNvPicPr>
             <a:picLocks noChangeAspect="1"/>
           </p:cNvPicPr>
@@ -3288,8 +3294,8 @@
         </p:blipFill>
         <p:spPr>
           <a:xfrm>
-            <a:off x="0" y="558800"/>
-            <a:ext cx="6858000" cy="8016446"/>
+            <a:off x="167922" y="688621"/>
+            <a:ext cx="6616682" cy="6925725"/>
           </a:xfrm>
           <a:prstGeom prst="rect">
             <a:avLst/>
@@ -3327,7 +3333,7 @@
             </a:r>
             <a:r>
               <a:rPr lang="en-US" dirty="0" smtClean="0"/>
-              <a:t>/lessons/</a:t>
+              <a:t>/lessons</a:t>
             </a:r>
             <a:endParaRPr lang="en-US" dirty="0"/>
           </a:p>
@@ -3347,6 +3353,103 @@
 </file>
 
 <file path=ppt/slides/slide2.xml><?xml version="1.0" encoding="utf-8"?>
+<p:sld xmlns:a="http://schemas.openxmlformats.org/drawingml/2006/main" xmlns:r="http://schemas.openxmlformats.org/officeDocument/2006/relationships" xmlns:p="http://schemas.openxmlformats.org/presentationml/2006/main">
+  <p:cSld>
+    <p:spTree>
+      <p:nvGrpSpPr>
+        <p:cNvPr id="1" name=""/>
+        <p:cNvGrpSpPr/>
+        <p:nvPr/>
+      </p:nvGrpSpPr>
+      <p:grpSpPr>
+        <a:xfrm>
+          <a:off x="0" y="0"/>
+          <a:ext cx="0" cy="0"/>
+          <a:chOff x="0" y="0"/>
+          <a:chExt cx="0" cy="0"/>
+        </a:xfrm>
+      </p:grpSpPr>
+      <p:pic>
+        <p:nvPicPr>
+          <p:cNvPr id="6" name="Picture 5"/>
+          <p:cNvPicPr>
+            <a:picLocks noChangeAspect="1"/>
+          </p:cNvPicPr>
+          <p:nvPr/>
+        </p:nvPicPr>
+        <p:blipFill>
+          <a:blip r:embed="rId2">
+            <a:extLst>
+              <a:ext uri="{28A0092B-C50C-407E-A947-70E740481C1C}">
+                <a14:useLocalDpi xmlns:a14="http://schemas.microsoft.com/office/drawing/2010/main" val="0"/>
+              </a:ext>
+            </a:extLst>
+          </a:blip>
+          <a:stretch>
+            <a:fillRect/>
+          </a:stretch>
+        </p:blipFill>
+        <p:spPr>
+          <a:xfrm>
+            <a:off x="167922" y="736157"/>
+            <a:ext cx="6616682" cy="6836193"/>
+          </a:xfrm>
+          <a:prstGeom prst="rect">
+            <a:avLst/>
+          </a:prstGeom>
+        </p:spPr>
+      </p:pic>
+      <p:sp>
+        <p:nvSpPr>
+          <p:cNvPr id="5" name="Rectangle 4"/>
+          <p:cNvSpPr/>
+          <p:nvPr/>
+        </p:nvSpPr>
+        <p:spPr>
+          <a:xfrm>
+            <a:off x="167922" y="105813"/>
+            <a:ext cx="5623560" cy="369332"/>
+          </a:xfrm>
+          <a:prstGeom prst="rect">
+            <a:avLst/>
+          </a:prstGeom>
+        </p:spPr>
+        <p:txBody>
+          <a:bodyPr wrap="square">
+            <a:spAutoFit/>
+          </a:bodyPr>
+          <a:lstStyle/>
+          <a:p>
+            <a:r>
+              <a:rPr lang="en-US" dirty="0" smtClean="0"/>
+              <a:t>https://</a:t>
+            </a:r>
+            <a:r>
+              <a:rPr lang="en-US" dirty="0" err="1" smtClean="0"/>
+              <a:t>www.tsugi.org</a:t>
+            </a:r>
+            <a:r>
+              <a:rPr lang="en-US" dirty="0" smtClean="0"/>
+              <a:t>/docs/install</a:t>
+            </a:r>
+            <a:endParaRPr lang="en-US" dirty="0"/>
+          </a:p>
+        </p:txBody>
+      </p:sp>
+    </p:spTree>
+    <p:extLst>
+      <p:ext uri="{BB962C8B-B14F-4D97-AF65-F5344CB8AC3E}">
+        <p14:creationId xmlns:p14="http://schemas.microsoft.com/office/powerpoint/2010/main" val="1351266611"/>
+      </p:ext>
+    </p:extLst>
+  </p:cSld>
+  <p:clrMapOvr>
+    <a:masterClrMapping/>
+  </p:clrMapOvr>
+</p:sld>
+</file>
+
+<file path=ppt/slides/slide3.xml><?xml version="1.0" encoding="utf-8"?>
 <p:sld xmlns:a="http://schemas.openxmlformats.org/drawingml/2006/main" xmlns:r="http://schemas.openxmlformats.org/officeDocument/2006/relationships" xmlns:p="http://schemas.openxmlformats.org/presentationml/2006/main">
   <p:cSld>
     <p:spTree>
@@ -3385,8 +3488,8 @@
         </p:blipFill>
         <p:spPr>
           <a:xfrm>
-            <a:off x="0" y="558800"/>
-            <a:ext cx="6955098" cy="8336844"/>
+            <a:off x="167922" y="676774"/>
+            <a:ext cx="6616683" cy="6949100"/>
           </a:xfrm>
           <a:prstGeom prst="rect">
             <a:avLst/>
@@ -3424,7 +3527,7 @@
             </a:r>
             <a:r>
               <a:rPr lang="en-US" dirty="0" smtClean="0"/>
-              <a:t>/docs/install</a:t>
+              <a:t>/lessons/install/</a:t>
             </a:r>
             <a:endParaRPr lang="en-US" dirty="0"/>
           </a:p>
@@ -3433,7 +3536,7 @@
     </p:spTree>
     <p:extLst>
       <p:ext uri="{BB962C8B-B14F-4D97-AF65-F5344CB8AC3E}">
-        <p14:creationId xmlns:p14="http://schemas.microsoft.com/office/powerpoint/2010/main" val="913631048"/>
+        <p14:creationId xmlns:p14="http://schemas.microsoft.com/office/powerpoint/2010/main" val="213589364"/>
       </p:ext>
     </p:extLst>
   </p:cSld>
@@ -3443,7 +3546,7 @@
 </p:sld>
 </file>
 
-<file path=ppt/slides/slide3.xml><?xml version="1.0" encoding="utf-8"?>
+<file path=ppt/slides/slide4.xml><?xml version="1.0" encoding="utf-8"?>
 <p:sld xmlns:a="http://schemas.openxmlformats.org/drawingml/2006/main" xmlns:r="http://schemas.openxmlformats.org/officeDocument/2006/relationships" xmlns:p="http://schemas.openxmlformats.org/presentationml/2006/main">
   <p:cSld>
     <p:spTree>
@@ -3460,9 +3563,50 @@
           <a:chExt cx="0" cy="0"/>
         </a:xfrm>
       </p:grpSpPr>
+      <p:sp>
+        <p:nvSpPr>
+          <p:cNvPr id="5" name="Rectangle 4"/>
+          <p:cNvSpPr/>
+          <p:nvPr/>
+        </p:nvSpPr>
+        <p:spPr>
+          <a:xfrm>
+            <a:off x="167922" y="105813"/>
+            <a:ext cx="5623560" cy="369332"/>
+          </a:xfrm>
+          <a:prstGeom prst="rect">
+            <a:avLst/>
+          </a:prstGeom>
+        </p:spPr>
+        <p:txBody>
+          <a:bodyPr wrap="square">
+            <a:spAutoFit/>
+          </a:bodyPr>
+          <a:lstStyle/>
+          <a:p>
+            <a:r>
+              <a:rPr lang="en-US" dirty="0" smtClean="0"/>
+              <a:t>https://</a:t>
+            </a:r>
+            <a:r>
+              <a:rPr lang="en-US" dirty="0" err="1" smtClean="0"/>
+              <a:t>www.tsugi.org</a:t>
+            </a:r>
+            <a:r>
+              <a:rPr lang="en-US" dirty="0" smtClean="0"/>
+              <a:t>/lessons/</a:t>
+            </a:r>
+            <a:r>
+              <a:rPr lang="en-US" dirty="0" err="1" smtClean="0"/>
+              <a:t>devintro</a:t>
+            </a:r>
+            <a:endParaRPr lang="en-US" dirty="0"/>
+          </a:p>
+        </p:txBody>
+      </p:sp>
       <p:pic>
         <p:nvPicPr>
-          <p:cNvPr id="4" name="Picture 3"/>
+          <p:cNvPr id="3" name="Picture 2"/>
           <p:cNvPicPr>
             <a:picLocks noChangeAspect="1"/>
           </p:cNvPicPr>
@@ -3482,75 +3626,8 @@
         </p:blipFill>
         <p:spPr>
           <a:xfrm>
-            <a:off x="0" y="558800"/>
-            <a:ext cx="6858000" cy="8016446"/>
-          </a:xfrm>
-          <a:prstGeom prst="rect">
-            <a:avLst/>
-          </a:prstGeom>
-        </p:spPr>
-      </p:pic>
-      <p:sp>
-        <p:nvSpPr>
-          <p:cNvPr id="5" name="Rectangle 4"/>
-          <p:cNvSpPr/>
-          <p:nvPr/>
-        </p:nvSpPr>
-        <p:spPr>
-          <a:xfrm>
-            <a:off x="167922" y="105813"/>
-            <a:ext cx="5623560" cy="369332"/>
-          </a:xfrm>
-          <a:prstGeom prst="rect">
-            <a:avLst/>
-          </a:prstGeom>
-        </p:spPr>
-        <p:txBody>
-          <a:bodyPr wrap="square">
-            <a:spAutoFit/>
-          </a:bodyPr>
-          <a:lstStyle/>
-          <a:p>
-            <a:r>
-              <a:rPr lang="en-US" dirty="0" smtClean="0"/>
-              <a:t>https://</a:t>
-            </a:r>
-            <a:r>
-              <a:rPr lang="en-US" dirty="0" err="1" smtClean="0"/>
-              <a:t>www.tsugi.org</a:t>
-            </a:r>
-            <a:r>
-              <a:rPr lang="en-US" dirty="0" smtClean="0"/>
-              <a:t>/lessons/install</a:t>
-            </a:r>
-            <a:endParaRPr lang="en-US" dirty="0"/>
-          </a:p>
-        </p:txBody>
-      </p:sp>
-      <p:pic>
-        <p:nvPicPr>
-          <p:cNvPr id="6" name="Picture 5"/>
-          <p:cNvPicPr>
-            <a:picLocks noChangeAspect="1"/>
-          </p:cNvPicPr>
-          <p:nvPr/>
-        </p:nvPicPr>
-        <p:blipFill>
-          <a:blip r:embed="rId3">
-            <a:extLst>
-              <a:ext uri="{28A0092B-C50C-407E-A947-70E740481C1C}">
-                <a14:useLocalDpi xmlns:a14="http://schemas.microsoft.com/office/drawing/2010/main" val="0"/>
-              </a:ext>
-            </a:extLst>
-          </a:blip>
-          <a:stretch>
-            <a:fillRect/>
-          </a:stretch>
-        </p:blipFill>
-        <p:spPr>
-          <a:xfrm>
-            <a:off x="0" y="558800"/>
-            <a:ext cx="6858000" cy="8001000"/>
+            <a:off x="167922" y="688897"/>
+            <a:ext cx="6616682" cy="6933270"/>
           </a:xfrm>
           <a:prstGeom prst="rect">
             <a:avLst/>
@@ -3560,7 +3637,7 @@
     </p:spTree>
     <p:extLst>
       <p:ext uri="{BB962C8B-B14F-4D97-AF65-F5344CB8AC3E}">
-        <p14:creationId xmlns:p14="http://schemas.microsoft.com/office/powerpoint/2010/main" val="227107281"/>
+        <p14:creationId xmlns:p14="http://schemas.microsoft.com/office/powerpoint/2010/main" val="1098364052"/>
       </p:ext>
     </p:extLst>
   </p:cSld>
